--- a/documents/NAO getting started.pptx
+++ b/documents/NAO getting started.pptx
@@ -5,10 +5,10 @@
     <p:sldMasterId id="2147483667" r:id="rId4"/>
   </p:sldMasterIdLst>
   <p:notesMasterIdLst>
-    <p:notesMasterId r:id="rId19"/>
+    <p:notesMasterId r:id="rId21"/>
   </p:notesMasterIdLst>
   <p:handoutMasterIdLst>
-    <p:handoutMasterId r:id="rId20"/>
+    <p:handoutMasterId r:id="rId22"/>
   </p:handoutMasterIdLst>
   <p:sldIdLst>
     <p:sldId id="256" r:id="rId5"/>
@@ -21,15 +21,17 @@
     <p:sldId id="286" r:id="rId12"/>
     <p:sldId id="266" r:id="rId13"/>
     <p:sldId id="263" r:id="rId14"/>
-    <p:sldId id="264" r:id="rId15"/>
-    <p:sldId id="259" r:id="rId16"/>
-    <p:sldId id="284" r:id="rId17"/>
-    <p:sldId id="260" r:id="rId18"/>
+    <p:sldId id="287" r:id="rId15"/>
+    <p:sldId id="288" r:id="rId16"/>
+    <p:sldId id="264" r:id="rId17"/>
+    <p:sldId id="259" r:id="rId18"/>
+    <p:sldId id="284" r:id="rId19"/>
+    <p:sldId id="260" r:id="rId20"/>
   </p:sldIdLst>
   <p:sldSz cx="9144000" cy="5143500" type="screen16x9"/>
   <p:notesSz cx="6858000" cy="9144000"/>
   <p:custDataLst>
-    <p:tags r:id="rId21"/>
+    <p:tags r:id="rId23"/>
   </p:custDataLst>
   <p:defaultTextStyle>
     <a:defPPr>
@@ -677,7 +679,7 @@
           <a:p>
             <a:fld id="{63772A03-8192-4C8E-851E-DA871DEC8922}" type="datetimeFigureOut">
               <a:rPr lang="fr-FR" smtClean="0"/>
-              <a:t>21/08/2019</a:t>
+              <a:t>26/08/2019</a:t>
             </a:fld>
             <a:endParaRPr lang="fr-FR"/>
           </a:p>
@@ -743,7 +745,7 @@
           <a:p>
             <a:fld id="{97E02B30-12CB-41F2-81B0-A9C2A6B11C9F}" type="slidenum">
               <a:rPr lang="fr-FR" smtClean="0"/>
-              <a:t>‹nr.›</a:t>
+              <a:t>‹#›</a:t>
             </a:fld>
             <a:endParaRPr lang="fr-FR"/>
           </a:p>
@@ -847,7 +849,7 @@
             <a:fld id="{D680E798-53FF-4C51-A981-953463752515}" type="datetimeFigureOut">
               <a:rPr lang="fr-FR" smtClean="0"/>
               <a:pPr/>
-              <a:t>21/08/2019</a:t>
+              <a:t>26/08/2019</a:t>
             </a:fld>
             <a:endParaRPr lang="fr-FR" dirty="0"/>
           </a:p>
@@ -981,7 +983,7 @@
             <a:fld id="{1B06CD8F-B7ED-4A05-9FB1-A01CC0EF02CC}" type="slidenum">
               <a:rPr lang="fr-FR" smtClean="0"/>
               <a:pPr/>
-              <a:t>‹nr.›</a:t>
+              <a:t>‹#›</a:t>
             </a:fld>
             <a:endParaRPr lang="fr-FR" dirty="0"/>
           </a:p>
@@ -1140,7 +1142,7 @@
           <a:p>
             <a:fld id="{336F4D63-1D85-4542-A49A-EFF5365446AB}" type="datetime1">
               <a:rPr lang="en-GB" smtClean="0"/>
-              <a:t>21/08/2019</a:t>
+              <a:t>26/08/2019</a:t>
             </a:fld>
             <a:endParaRPr lang="nl-NL"/>
           </a:p>
@@ -1184,7 +1186,7 @@
             <a:fld id="{27E56DCD-70E1-4B56-8FF6-8EF610501602}" type="slidenum">
               <a:rPr lang="nl-NL" smtClean="0"/>
               <a:pPr algn="l"/>
-              <a:t>‹nr.›</a:t>
+              <a:t>‹#›</a:t>
             </a:fld>
             <a:endParaRPr lang="nl-NL"/>
           </a:p>
@@ -1534,7 +1536,7 @@
           <a:p>
             <a:fld id="{65CB7145-8DED-4A23-B969-B88A16B7405D}" type="datetime1">
               <a:rPr lang="en-GB" smtClean="0"/>
-              <a:t>21/08/2019</a:t>
+              <a:t>26/08/2019</a:t>
             </a:fld>
             <a:endParaRPr lang="nl-NL"/>
           </a:p>
@@ -1593,7 +1595,7 @@
             <a:fld id="{5C423A0F-D889-4A17-A529-92184865CDD2}" type="slidenum">
               <a:rPr lang="nl-NL" smtClean="0"/>
               <a:pPr/>
-              <a:t>‹nr.›</a:t>
+              <a:t>‹#›</a:t>
             </a:fld>
             <a:endParaRPr lang="nl-NL"/>
           </a:p>
@@ -1690,7 +1692,7 @@
           <a:p>
             <a:fld id="{CAF7A212-36BE-4DF8-855A-B97722A9BED8}" type="datetime1">
               <a:rPr lang="en-GB" smtClean="0"/>
-              <a:t>21/08/2019</a:t>
+              <a:t>26/08/2019</a:t>
             </a:fld>
             <a:endParaRPr lang="nl-NL"/>
           </a:p>
@@ -1749,7 +1751,7 @@
             <a:fld id="{5C423A0F-D889-4A17-A529-92184865CDD2}" type="slidenum">
               <a:rPr lang="nl-NL" smtClean="0"/>
               <a:pPr/>
-              <a:t>‹nr.›</a:t>
+              <a:t>‹#›</a:t>
             </a:fld>
             <a:endParaRPr lang="nl-NL"/>
           </a:p>
@@ -1842,7 +1844,7 @@
           <a:p>
             <a:fld id="{CAF7A212-36BE-4DF8-855A-B97722A9BED8}" type="datetime1">
               <a:rPr lang="en-GB" smtClean="0"/>
-              <a:t>21/08/2019</a:t>
+              <a:t>26/08/2019</a:t>
             </a:fld>
             <a:endParaRPr lang="nl-NL"/>
           </a:p>
@@ -1901,7 +1903,7 @@
             <a:fld id="{5C423A0F-D889-4A17-A529-92184865CDD2}" type="slidenum">
               <a:rPr lang="nl-NL" smtClean="0"/>
               <a:pPr/>
-              <a:t>‹nr.›</a:t>
+              <a:t>‹#›</a:t>
             </a:fld>
             <a:endParaRPr lang="nl-NL"/>
           </a:p>
@@ -1973,7 +1975,7 @@
           <a:p>
             <a:fld id="{798D9CB8-AD1F-489B-903D-41E5964C931A}" type="datetime1">
               <a:rPr lang="en-GB" smtClean="0"/>
-              <a:t>21/08/2019</a:t>
+              <a:t>26/08/2019</a:t>
             </a:fld>
             <a:endParaRPr lang="nl-NL"/>
           </a:p>
@@ -2017,7 +2019,7 @@
             <a:fld id="{27E56DCD-70E1-4B56-8FF6-8EF610501602}" type="slidenum">
               <a:rPr lang="nl-NL" smtClean="0"/>
               <a:pPr algn="l"/>
-              <a:t>‹nr.›</a:t>
+              <a:t>‹#›</a:t>
             </a:fld>
             <a:endParaRPr lang="nl-NL"/>
           </a:p>
@@ -2255,7 +2257,7 @@
           <a:p>
             <a:fld id="{798D9CB8-AD1F-489B-903D-41E5964C931A}" type="datetime1">
               <a:rPr lang="en-GB" smtClean="0"/>
-              <a:t>21/08/2019</a:t>
+              <a:t>26/08/2019</a:t>
             </a:fld>
             <a:endParaRPr lang="nl-NL"/>
           </a:p>
@@ -2299,7 +2301,7 @@
             <a:fld id="{27E56DCD-70E1-4B56-8FF6-8EF610501602}" type="slidenum">
               <a:rPr lang="nl-NL" smtClean="0"/>
               <a:pPr algn="l"/>
-              <a:t>‹nr.›</a:t>
+              <a:t>‹#›</a:t>
             </a:fld>
             <a:endParaRPr lang="nl-NL"/>
           </a:p>
@@ -2537,7 +2539,7 @@
           <a:p>
             <a:fld id="{798D9CB8-AD1F-489B-903D-41E5964C931A}" type="datetime1">
               <a:rPr lang="en-GB" smtClean="0"/>
-              <a:t>21/08/2019</a:t>
+              <a:t>26/08/2019</a:t>
             </a:fld>
             <a:endParaRPr lang="nl-NL"/>
           </a:p>
@@ -2581,7 +2583,7 @@
             <a:fld id="{27E56DCD-70E1-4B56-8FF6-8EF610501602}" type="slidenum">
               <a:rPr lang="nl-NL" smtClean="0"/>
               <a:pPr algn="l"/>
-              <a:t>‹nr.›</a:t>
+              <a:t>‹#›</a:t>
             </a:fld>
             <a:endParaRPr lang="nl-NL"/>
           </a:p>
@@ -2819,7 +2821,7 @@
           <a:p>
             <a:fld id="{798D9CB8-AD1F-489B-903D-41E5964C931A}" type="datetime1">
               <a:rPr lang="en-GB" smtClean="0"/>
-              <a:t>21/08/2019</a:t>
+              <a:t>26/08/2019</a:t>
             </a:fld>
             <a:endParaRPr lang="nl-NL"/>
           </a:p>
@@ -2863,7 +2865,7 @@
             <a:fld id="{27E56DCD-70E1-4B56-8FF6-8EF610501602}" type="slidenum">
               <a:rPr lang="nl-NL" smtClean="0"/>
               <a:pPr algn="l"/>
-              <a:t>‹nr.›</a:t>
+              <a:t>‹#›</a:t>
             </a:fld>
             <a:endParaRPr lang="nl-NL"/>
           </a:p>
@@ -3101,7 +3103,7 @@
           <a:p>
             <a:fld id="{798D9CB8-AD1F-489B-903D-41E5964C931A}" type="datetime1">
               <a:rPr lang="en-GB" smtClean="0"/>
-              <a:t>21/08/2019</a:t>
+              <a:t>26/08/2019</a:t>
             </a:fld>
             <a:endParaRPr lang="nl-NL"/>
           </a:p>
@@ -3145,7 +3147,7 @@
             <a:fld id="{27E56DCD-70E1-4B56-8FF6-8EF610501602}" type="slidenum">
               <a:rPr lang="nl-NL" smtClean="0"/>
               <a:pPr algn="l"/>
-              <a:t>‹nr.›</a:t>
+              <a:t>‹#›</a:t>
             </a:fld>
             <a:endParaRPr lang="nl-NL"/>
           </a:p>
@@ -3383,7 +3385,7 @@
           <a:p>
             <a:fld id="{798D9CB8-AD1F-489B-903D-41E5964C931A}" type="datetime1">
               <a:rPr lang="en-GB" smtClean="0"/>
-              <a:t>21/08/2019</a:t>
+              <a:t>26/08/2019</a:t>
             </a:fld>
             <a:endParaRPr lang="nl-NL"/>
           </a:p>
@@ -3427,7 +3429,7 @@
             <a:fld id="{27E56DCD-70E1-4B56-8FF6-8EF610501602}" type="slidenum">
               <a:rPr lang="nl-NL" smtClean="0"/>
               <a:pPr algn="l"/>
-              <a:t>‹nr.›</a:t>
+              <a:t>‹#›</a:t>
             </a:fld>
             <a:endParaRPr lang="nl-NL"/>
           </a:p>
@@ -3665,7 +3667,7 @@
           <a:p>
             <a:fld id="{798D9CB8-AD1F-489B-903D-41E5964C931A}" type="datetime1">
               <a:rPr lang="en-GB" smtClean="0"/>
-              <a:t>21/08/2019</a:t>
+              <a:t>26/08/2019</a:t>
             </a:fld>
             <a:endParaRPr lang="nl-NL"/>
           </a:p>
@@ -3709,7 +3711,7 @@
             <a:fld id="{27E56DCD-70E1-4B56-8FF6-8EF610501602}" type="slidenum">
               <a:rPr lang="nl-NL" smtClean="0"/>
               <a:pPr algn="l"/>
-              <a:t>‹nr.›</a:t>
+              <a:t>‹#›</a:t>
             </a:fld>
             <a:endParaRPr lang="nl-NL"/>
           </a:p>
@@ -3939,7 +3941,7 @@
           <a:p>
             <a:fld id="{BECA9CE4-639B-4B0F-8CC2-8854FC36112E}" type="datetime1">
               <a:rPr lang="en-GB" noProof="0" smtClean="0"/>
-              <a:t>21/08/2019</a:t>
+              <a:t>26/08/2019</a:t>
             </a:fld>
             <a:endParaRPr lang="en-GB" noProof="0"/>
           </a:p>
@@ -3983,7 +3985,7 @@
             <a:fld id="{27E56DCD-70E1-4B56-8FF6-8EF610501602}" type="slidenum">
               <a:rPr lang="en-GB" noProof="0" smtClean="0"/>
               <a:pPr algn="l"/>
-              <a:t>‹nr.›</a:t>
+              <a:t>‹#›</a:t>
             </a:fld>
             <a:endParaRPr lang="en-GB" noProof="0"/>
           </a:p>
@@ -4339,7 +4341,7 @@
           <a:p>
             <a:fld id="{798D9CB8-AD1F-489B-903D-41E5964C931A}" type="datetime1">
               <a:rPr lang="en-GB" smtClean="0"/>
-              <a:t>21/08/2019</a:t>
+              <a:t>26/08/2019</a:t>
             </a:fld>
             <a:endParaRPr lang="nl-NL"/>
           </a:p>
@@ -4383,7 +4385,7 @@
             <a:fld id="{27E56DCD-70E1-4B56-8FF6-8EF610501602}" type="slidenum">
               <a:rPr lang="nl-NL" smtClean="0"/>
               <a:pPr algn="l"/>
-              <a:t>‹nr.›</a:t>
+              <a:t>‹#›</a:t>
             </a:fld>
             <a:endParaRPr lang="nl-NL"/>
           </a:p>
@@ -4621,7 +4623,7 @@
           <a:p>
             <a:fld id="{798D9CB8-AD1F-489B-903D-41E5964C931A}" type="datetime1">
               <a:rPr lang="en-GB" smtClean="0"/>
-              <a:t>21/08/2019</a:t>
+              <a:t>26/08/2019</a:t>
             </a:fld>
             <a:endParaRPr lang="nl-NL"/>
           </a:p>
@@ -4665,7 +4667,7 @@
             <a:fld id="{27E56DCD-70E1-4B56-8FF6-8EF610501602}" type="slidenum">
               <a:rPr lang="nl-NL" smtClean="0"/>
               <a:pPr algn="l"/>
-              <a:t>‹nr.›</a:t>
+              <a:t>‹#›</a:t>
             </a:fld>
             <a:endParaRPr lang="nl-NL"/>
           </a:p>
@@ -4903,7 +4905,7 @@
           <a:p>
             <a:fld id="{798D9CB8-AD1F-489B-903D-41E5964C931A}" type="datetime1">
               <a:rPr lang="en-GB" smtClean="0"/>
-              <a:t>21/08/2019</a:t>
+              <a:t>26/08/2019</a:t>
             </a:fld>
             <a:endParaRPr lang="nl-NL"/>
           </a:p>
@@ -4947,7 +4949,7 @@
             <a:fld id="{27E56DCD-70E1-4B56-8FF6-8EF610501602}" type="slidenum">
               <a:rPr lang="nl-NL" smtClean="0"/>
               <a:pPr algn="l"/>
-              <a:t>‹nr.›</a:t>
+              <a:t>‹#›</a:t>
             </a:fld>
             <a:endParaRPr lang="nl-NL"/>
           </a:p>
@@ -5185,7 +5187,7 @@
           <a:p>
             <a:fld id="{798D9CB8-AD1F-489B-903D-41E5964C931A}" type="datetime1">
               <a:rPr lang="en-GB" smtClean="0"/>
-              <a:t>21/08/2019</a:t>
+              <a:t>26/08/2019</a:t>
             </a:fld>
             <a:endParaRPr lang="nl-NL"/>
           </a:p>
@@ -5229,7 +5231,7 @@
             <a:fld id="{27E56DCD-70E1-4B56-8FF6-8EF610501602}" type="slidenum">
               <a:rPr lang="nl-NL" smtClean="0"/>
               <a:pPr algn="l"/>
-              <a:t>‹nr.›</a:t>
+              <a:t>‹#›</a:t>
             </a:fld>
             <a:endParaRPr lang="nl-NL"/>
           </a:p>
@@ -5517,7 +5519,7 @@
             <a:fld id="{798D9CB8-AD1F-489B-903D-41E5964C931A}" type="datetime1">
               <a:rPr lang="en-GB" smtClean="0"/>
               <a:pPr/>
-              <a:t>21/08/2019</a:t>
+              <a:t>26/08/2019</a:t>
             </a:fld>
             <a:endParaRPr lang="nl-NL"/>
           </a:p>
@@ -5561,7 +5563,7 @@
             <a:fld id="{27E56DCD-70E1-4B56-8FF6-8EF610501602}" type="slidenum">
               <a:rPr lang="nl-NL" smtClean="0"/>
               <a:pPr algn="l"/>
-              <a:t>‹nr.›</a:t>
+              <a:t>‹#›</a:t>
             </a:fld>
             <a:endParaRPr lang="nl-NL"/>
           </a:p>
@@ -5960,7 +5962,7 @@
           <a:p>
             <a:fld id="{336F4D63-1D85-4542-A49A-EFF5365446AB}" type="datetime1">
               <a:rPr lang="en-GB" smtClean="0"/>
-              <a:t>21/08/2019</a:t>
+              <a:t>26/08/2019</a:t>
             </a:fld>
             <a:endParaRPr lang="nl-NL"/>
           </a:p>
@@ -6004,7 +6006,7 @@
             <a:fld id="{27E56DCD-70E1-4B56-8FF6-8EF610501602}" type="slidenum">
               <a:rPr lang="nl-NL" smtClean="0"/>
               <a:pPr algn="l"/>
-              <a:t>‹nr.›</a:t>
+              <a:t>‹#›</a:t>
             </a:fld>
             <a:endParaRPr lang="nl-NL"/>
           </a:p>
@@ -6201,7 +6203,7 @@
           <a:p>
             <a:fld id="{1763D742-8EFC-4477-B559-B42C77649E77}" type="datetime1">
               <a:rPr lang="en-GB" smtClean="0"/>
-              <a:t>21/08/2019</a:t>
+              <a:t>26/08/2019</a:t>
             </a:fld>
             <a:endParaRPr lang="nl-NL"/>
           </a:p>
@@ -6245,7 +6247,7 @@
             <a:fld id="{27E56DCD-70E1-4B56-8FF6-8EF610501602}" type="slidenum">
               <a:rPr lang="nl-NL" smtClean="0"/>
               <a:pPr algn="l"/>
-              <a:t>‹nr.›</a:t>
+              <a:t>‹#›</a:t>
             </a:fld>
             <a:endParaRPr lang="nl-NL"/>
           </a:p>
@@ -6569,7 +6571,7 @@
             <a:fld id="{7882B6D8-264B-4084-A409-5F7CDE337841}" type="slidenum">
               <a:rPr lang="nl-NL" smtClean="0"/>
               <a:pPr/>
-              <a:t>‹nr.›</a:t>
+              <a:t>‹#›</a:t>
             </a:fld>
             <a:endParaRPr lang="nl-NL"/>
           </a:p>
@@ -6628,7 +6630,7 @@
           <a:p>
             <a:fld id="{61D3316A-463B-458F-BEF1-8121E4E573F6}" type="datetime1">
               <a:rPr lang="en-GB" smtClean="0"/>
-              <a:t>21/08/2019</a:t>
+              <a:t>26/08/2019</a:t>
             </a:fld>
             <a:endParaRPr lang="nl-NL"/>
           </a:p>
@@ -6658,7 +6660,7 @@
             <a:fld id="{5C423A0F-D889-4A17-A529-92184865CDD2}" type="slidenum">
               <a:rPr lang="nl-NL" smtClean="0"/>
               <a:pPr/>
-              <a:t>‹nr.›</a:t>
+              <a:t>‹#›</a:t>
             </a:fld>
             <a:endParaRPr lang="nl-NL"/>
           </a:p>
@@ -7278,7 +7280,7 @@
           <a:p>
             <a:fld id="{DEAD1537-35B2-45C2-9883-36D2505FCB8C}" type="datetime1">
               <a:rPr lang="en-GB" smtClean="0"/>
-              <a:t>21/08/2019</a:t>
+              <a:t>26/08/2019</a:t>
             </a:fld>
             <a:endParaRPr lang="nl-NL"/>
           </a:p>
@@ -7337,7 +7339,7 @@
             <a:fld id="{5C423A0F-D889-4A17-A529-92184865CDD2}" type="slidenum">
               <a:rPr lang="nl-NL" smtClean="0"/>
               <a:pPr/>
-              <a:t>‹nr.›</a:t>
+              <a:t>‹#›</a:t>
             </a:fld>
             <a:endParaRPr lang="nl-NL"/>
           </a:p>
@@ -8177,7 +8179,7 @@
           <a:p>
             <a:fld id="{CAF7A212-36BE-4DF8-855A-B97722A9BED8}" type="datetime1">
               <a:rPr lang="en-GB" smtClean="0"/>
-              <a:t>21/08/2019</a:t>
+              <a:t>26/08/2019</a:t>
             </a:fld>
             <a:endParaRPr lang="nl-NL"/>
           </a:p>
@@ -8236,7 +8238,7 @@
             <a:fld id="{5C423A0F-D889-4A17-A529-92184865CDD2}" type="slidenum">
               <a:rPr lang="nl-NL" smtClean="0"/>
               <a:pPr/>
-              <a:t>‹nr.›</a:t>
+              <a:t>‹#›</a:t>
             </a:fld>
             <a:endParaRPr lang="nl-NL"/>
           </a:p>
@@ -8360,7 +8362,7 @@
           <a:p>
             <a:fld id="{CAF7A212-36BE-4DF8-855A-B97722A9BED8}" type="datetime1">
               <a:rPr lang="en-GB" smtClean="0"/>
-              <a:t>21/08/2019</a:t>
+              <a:t>26/08/2019</a:t>
             </a:fld>
             <a:endParaRPr lang="nl-NL"/>
           </a:p>
@@ -8419,7 +8421,7 @@
             <a:fld id="{5C423A0F-D889-4A17-A529-92184865CDD2}" type="slidenum">
               <a:rPr lang="nl-NL" smtClean="0"/>
               <a:pPr/>
-              <a:t>‹nr.›</a:t>
+              <a:t>‹#›</a:t>
             </a:fld>
             <a:endParaRPr lang="nl-NL"/>
           </a:p>
@@ -8580,7 +8582,7 @@
           <a:p>
             <a:fld id="{2B1325CF-2528-4C0B-BA28-2231620D6ACB}" type="datetime1">
               <a:rPr lang="en-GB" smtClean="0"/>
-              <a:t>21/08/2019</a:t>
+              <a:t>26/08/2019</a:t>
             </a:fld>
             <a:endParaRPr lang="nl-NL"/>
           </a:p>
@@ -8639,7 +8641,7 @@
             <a:fld id="{5C423A0F-D889-4A17-A529-92184865CDD2}" type="slidenum">
               <a:rPr lang="nl-NL" smtClean="0"/>
               <a:pPr/>
-              <a:t>‹nr.›</a:t>
+              <a:t>‹#›</a:t>
             </a:fld>
             <a:endParaRPr lang="nl-NL"/>
           </a:p>
@@ -9015,7 +9017,7 @@
           <a:p>
             <a:fld id="{798D9CB8-AD1F-489B-903D-41E5964C931A}" type="datetime1">
               <a:rPr lang="en-GB" smtClean="0"/>
-              <a:t>21/08/2019</a:t>
+              <a:t>26/08/2019</a:t>
             </a:fld>
             <a:endParaRPr lang="nl-NL"/>
           </a:p>
@@ -9059,7 +9061,7 @@
             <a:fld id="{27E56DCD-70E1-4B56-8FF6-8EF610501602}" type="slidenum">
               <a:rPr lang="nl-NL" smtClean="0"/>
               <a:pPr algn="l"/>
-              <a:t>‹nr.›</a:t>
+              <a:t>‹#›</a:t>
             </a:fld>
             <a:endParaRPr lang="nl-NL"/>
           </a:p>
@@ -9937,7 +9939,7 @@
           <a:p>
             <a:fld id="{50AF4A72-7339-47EE-9462-81AD5D217B71}" type="datetime1">
               <a:rPr lang="en-GB" smtClean="0"/>
-              <a:t>21/08/2019</a:t>
+              <a:t>26/08/2019</a:t>
             </a:fld>
             <a:endParaRPr lang="nl-NL"/>
           </a:p>
@@ -9996,7 +9998,7 @@
             <a:fld id="{5C423A0F-D889-4A17-A529-92184865CDD2}" type="slidenum">
               <a:rPr lang="nl-NL" smtClean="0"/>
               <a:pPr/>
-              <a:t>‹nr.›</a:t>
+              <a:t>‹#›</a:t>
             </a:fld>
             <a:endParaRPr lang="nl-NL" dirty="0"/>
           </a:p>
@@ -10081,7 +10083,7 @@
           <a:p>
             <a:fld id="{50AF4A72-7339-47EE-9462-81AD5D217B71}" type="datetime1">
               <a:rPr lang="en-GB" smtClean="0"/>
-              <a:t>21/08/2019</a:t>
+              <a:t>26/08/2019</a:t>
             </a:fld>
             <a:endParaRPr lang="nl-NL"/>
           </a:p>
@@ -10127,7 +10129,7 @@
             <a:fld id="{5C423A0F-D889-4A17-A529-92184865CDD2}" type="slidenum">
               <a:rPr lang="nl-NL" smtClean="0"/>
               <a:pPr/>
-              <a:t>‹nr.›</a:t>
+              <a:t>‹#›</a:t>
             </a:fld>
             <a:endParaRPr lang="nl-NL" dirty="0"/>
           </a:p>
@@ -10851,12 +10853,12 @@
       </p:grpSpPr>
       <p:sp>
         <p:nvSpPr>
-          <p:cNvPr id="5" name="Title 4"/>
-          <p:cNvSpPr>
-            <a:spLocks noGrp="1"/>
-          </p:cNvSpPr>
-          <p:nvPr>
-            <p:ph type="title"/>
+          <p:cNvPr id="2" name="Date Placeholder 1"/>
+          <p:cNvSpPr>
+            <a:spLocks noGrp="1"/>
+          </p:cNvSpPr>
+          <p:nvPr>
+            <p:ph type="dt" sz="half" idx="10"/>
           </p:nvPr>
         </p:nvSpPr>
         <p:spPr/>
@@ -10864,21 +10866,22 @@
           <a:bodyPr/>
           <a:lstStyle/>
           <a:p>
-            <a:r>
-              <a:rPr lang="en-US" dirty="0"/>
-              <a:t>Links</a:t>
-            </a:r>
-          </a:p>
-        </p:txBody>
-      </p:sp>
-      <p:sp>
-        <p:nvSpPr>
-          <p:cNvPr id="7" name="Text Placeholder 6"/>
-          <p:cNvSpPr>
-            <a:spLocks noGrp="1"/>
-          </p:cNvSpPr>
-          <p:nvPr>
-            <p:ph type="body" sz="quarter" idx="13"/>
+            <a:fld id="{798D9CB8-AD1F-489B-903D-41E5964C931A}" type="datetime1">
+              <a:rPr lang="en-GB" smtClean="0"/>
+              <a:t>26/08/2019</a:t>
+            </a:fld>
+            <a:endParaRPr lang="nl-NL"/>
+          </a:p>
+        </p:txBody>
+      </p:sp>
+      <p:sp>
+        <p:nvSpPr>
+          <p:cNvPr id="3" name="Slide Number Placeholder 2"/>
+          <p:cNvSpPr>
+            <a:spLocks noGrp="1"/>
+          </p:cNvSpPr>
+          <p:nvPr>
+            <p:ph type="sldNum" sz="quarter" idx="12"/>
           </p:nvPr>
         </p:nvSpPr>
         <p:spPr/>
@@ -10886,17 +10889,428 @@
           <a:bodyPr/>
           <a:lstStyle/>
           <a:p>
-            <a:r>
-              <a:rPr lang="en-US" dirty="0"/>
-              <a:t>04</a:t>
-            </a:r>
+            <a:pPr algn="l"/>
+            <a:fld id="{27E56DCD-70E1-4B56-8FF6-8EF610501602}" type="slidenum">
+              <a:rPr lang="nl-NL" smtClean="0"/>
+              <a:pPr algn="l"/>
+              <a:t>11</a:t>
+            </a:fld>
+            <a:endParaRPr lang="nl-NL"/>
+          </a:p>
+        </p:txBody>
+      </p:sp>
+      <p:pic>
+        <p:nvPicPr>
+          <p:cNvPr id="9" name="Picture 8"/>
+          <p:cNvPicPr>
+            <a:picLocks noChangeAspect="1"/>
+          </p:cNvPicPr>
+          <p:nvPr/>
+        </p:nvPicPr>
+        <p:blipFill>
+          <a:blip r:embed="rId2"/>
+          <a:stretch>
+            <a:fillRect/>
+          </a:stretch>
+        </p:blipFill>
+        <p:spPr>
+          <a:xfrm>
+            <a:off x="2473460" y="339502"/>
+            <a:ext cx="6372240" cy="4676269"/>
+          </a:xfrm>
+          <a:prstGeom prst="rect">
+            <a:avLst/>
+          </a:prstGeom>
+        </p:spPr>
+      </p:pic>
+      <p:sp>
+        <p:nvSpPr>
+          <p:cNvPr id="10" name="Rectangle 9"/>
+          <p:cNvSpPr/>
+          <p:nvPr/>
+        </p:nvSpPr>
+        <p:spPr>
+          <a:xfrm>
+            <a:off x="2448606" y="3291829"/>
+            <a:ext cx="1601944" cy="1584176"/>
+          </a:xfrm>
+          <a:prstGeom prst="rect">
+            <a:avLst/>
+          </a:prstGeom>
+          <a:noFill/>
+          <a:ln>
+            <a:solidFill>
+              <a:schemeClr val="accent2"/>
+            </a:solidFill>
+          </a:ln>
+        </p:spPr>
+        <p:style>
+          <a:lnRef idx="2">
+            <a:schemeClr val="accent1">
+              <a:shade val="50000"/>
+            </a:schemeClr>
+          </a:lnRef>
+          <a:fillRef idx="1">
+            <a:schemeClr val="accent1"/>
+          </a:fillRef>
+          <a:effectRef idx="0">
+            <a:schemeClr val="accent1"/>
+          </a:effectRef>
+          <a:fontRef idx="minor">
+            <a:schemeClr val="lt1"/>
+          </a:fontRef>
+        </p:style>
+        <p:txBody>
+          <a:bodyPr rtlCol="0" anchor="ctr"/>
+          <a:lstStyle/>
+          <a:p>
+            <a:pPr algn="ctr"/>
+            <a:endParaRPr lang="nl-NL" dirty="0"/>
+          </a:p>
+        </p:txBody>
+      </p:sp>
+      <p:sp>
+        <p:nvSpPr>
+          <p:cNvPr id="11" name="Rectangle 10"/>
+          <p:cNvSpPr/>
+          <p:nvPr/>
+        </p:nvSpPr>
+        <p:spPr>
+          <a:xfrm>
+            <a:off x="935410" y="3291829"/>
+            <a:ext cx="1481496" cy="430887"/>
+          </a:xfrm>
+          <a:prstGeom prst="rect">
+            <a:avLst/>
+          </a:prstGeom>
+        </p:spPr>
+        <p:txBody>
+          <a:bodyPr wrap="none">
+            <a:spAutoFit/>
+          </a:bodyPr>
+          <a:lstStyle/>
+          <a:p>
+            <a:r>
+              <a:rPr lang="nl-NL" sz="1100" dirty="0" smtClean="0">
+                <a:solidFill>
+                  <a:schemeClr val="accent2"/>
+                </a:solidFill>
+              </a:rPr>
+              <a:t>Building block </a:t>
+            </a:r>
+            <a:r>
+              <a:rPr lang="nl-NL" sz="1100" dirty="0" err="1" smtClean="0">
+                <a:solidFill>
+                  <a:schemeClr val="accent2"/>
+                </a:solidFill>
+              </a:rPr>
+              <a:t>library</a:t>
+            </a:r>
+            <a:endParaRPr lang="nl-NL" sz="1100" dirty="0" smtClean="0">
+              <a:solidFill>
+                <a:schemeClr val="accent2"/>
+              </a:solidFill>
+            </a:endParaRPr>
+          </a:p>
+          <a:p>
+            <a:r>
+              <a:rPr lang="en-US" sz="1100" dirty="0" smtClean="0">
+                <a:solidFill>
+                  <a:schemeClr val="accent2"/>
+                </a:solidFill>
+              </a:rPr>
+              <a:t>Drag / Drop</a:t>
+            </a:r>
+            <a:endParaRPr lang="nl-NL" sz="1100" dirty="0">
+              <a:solidFill>
+                <a:schemeClr val="accent2"/>
+              </a:solidFill>
+            </a:endParaRPr>
+          </a:p>
+        </p:txBody>
+      </p:sp>
+      <p:sp>
+        <p:nvSpPr>
+          <p:cNvPr id="7" name="Title 6"/>
+          <p:cNvSpPr>
+            <a:spLocks noGrp="1"/>
+          </p:cNvSpPr>
+          <p:nvPr>
+            <p:ph type="title"/>
+          </p:nvPr>
+        </p:nvSpPr>
+        <p:spPr/>
+        <p:txBody>
+          <a:bodyPr/>
+          <a:lstStyle/>
+          <a:p>
+            <a:r>
+              <a:rPr lang="en-US" dirty="0" err="1" smtClean="0"/>
+              <a:t>Choregraphe</a:t>
+            </a:r>
+            <a:endParaRPr lang="nl-NL" dirty="0"/>
+          </a:p>
+        </p:txBody>
+      </p:sp>
+      <p:sp>
+        <p:nvSpPr>
+          <p:cNvPr id="12" name="Rectangle 11"/>
+          <p:cNvSpPr/>
+          <p:nvPr/>
+        </p:nvSpPr>
+        <p:spPr>
+          <a:xfrm>
+            <a:off x="4355976" y="1635646"/>
+            <a:ext cx="1829347" cy="261610"/>
+          </a:xfrm>
+          <a:prstGeom prst="rect">
+            <a:avLst/>
+          </a:prstGeom>
+        </p:spPr>
+        <p:txBody>
+          <a:bodyPr wrap="none">
+            <a:spAutoFit/>
+          </a:bodyPr>
+          <a:lstStyle/>
+          <a:p>
+            <a:r>
+              <a:rPr lang="en-US" sz="1100" dirty="0" smtClean="0">
+                <a:solidFill>
+                  <a:schemeClr val="accent2"/>
+                </a:solidFill>
+              </a:rPr>
+              <a:t>Connect input and outputs</a:t>
+            </a:r>
+            <a:endParaRPr lang="nl-NL" sz="1100" dirty="0">
+              <a:solidFill>
+                <a:schemeClr val="accent2"/>
+              </a:solidFill>
+            </a:endParaRPr>
+          </a:p>
+        </p:txBody>
+      </p:sp>
+      <p:sp>
+        <p:nvSpPr>
+          <p:cNvPr id="13" name="Rectangle 12"/>
+          <p:cNvSpPr/>
+          <p:nvPr/>
+        </p:nvSpPr>
+        <p:spPr>
+          <a:xfrm>
+            <a:off x="7524328" y="1995686"/>
+            <a:ext cx="1800200" cy="430887"/>
+          </a:xfrm>
+          <a:prstGeom prst="rect">
+            <a:avLst/>
+          </a:prstGeom>
+        </p:spPr>
+        <p:txBody>
+          <a:bodyPr wrap="square">
+            <a:spAutoFit/>
+          </a:bodyPr>
+          <a:lstStyle/>
+          <a:p>
+            <a:r>
+              <a:rPr lang="en-US" sz="1100" dirty="0" smtClean="0">
+                <a:solidFill>
+                  <a:schemeClr val="accent2"/>
+                </a:solidFill>
+              </a:rPr>
+              <a:t>Pose </a:t>
+            </a:r>
+            <a:r>
+              <a:rPr lang="en-US" sz="1100" dirty="0" err="1" smtClean="0">
+                <a:solidFill>
+                  <a:schemeClr val="accent2"/>
+                </a:solidFill>
+              </a:rPr>
+              <a:t>libary</a:t>
+            </a:r>
+            <a:r>
+              <a:rPr lang="en-US" sz="1100" dirty="0" smtClean="0">
+                <a:solidFill>
+                  <a:schemeClr val="accent2"/>
+                </a:solidFill>
+              </a:rPr>
+              <a:t>, pre program</a:t>
+            </a:r>
+            <a:br>
+              <a:rPr lang="en-US" sz="1100" dirty="0" smtClean="0">
+                <a:solidFill>
+                  <a:schemeClr val="accent2"/>
+                </a:solidFill>
+              </a:rPr>
+            </a:br>
+            <a:r>
+              <a:rPr lang="en-US" sz="1100" dirty="0" smtClean="0">
+                <a:solidFill>
+                  <a:schemeClr val="accent2"/>
+                </a:solidFill>
+              </a:rPr>
+              <a:t>robot poses</a:t>
+            </a:r>
+            <a:endParaRPr lang="nl-NL" sz="1100" dirty="0">
+              <a:solidFill>
+                <a:schemeClr val="accent2"/>
+              </a:solidFill>
+            </a:endParaRPr>
+          </a:p>
+        </p:txBody>
+      </p:sp>
+      <p:sp>
+        <p:nvSpPr>
+          <p:cNvPr id="14" name="Rectangle 13"/>
+          <p:cNvSpPr/>
+          <p:nvPr/>
+        </p:nvSpPr>
+        <p:spPr>
+          <a:xfrm>
+            <a:off x="4644008" y="4155926"/>
+            <a:ext cx="1645002" cy="600164"/>
+          </a:xfrm>
+          <a:prstGeom prst="rect">
+            <a:avLst/>
+          </a:prstGeom>
+        </p:spPr>
+        <p:txBody>
+          <a:bodyPr wrap="none">
+            <a:spAutoFit/>
+          </a:bodyPr>
+          <a:lstStyle/>
+          <a:p>
+            <a:r>
+              <a:rPr lang="en-US" sz="1100" dirty="0" smtClean="0">
+                <a:solidFill>
+                  <a:schemeClr val="accent2"/>
+                </a:solidFill>
+              </a:rPr>
+              <a:t>Set parameters for</a:t>
+            </a:r>
+            <a:br>
+              <a:rPr lang="en-US" sz="1100" dirty="0" smtClean="0">
+                <a:solidFill>
+                  <a:schemeClr val="accent2"/>
+                </a:solidFill>
+              </a:rPr>
+            </a:br>
+            <a:r>
+              <a:rPr lang="en-US" sz="1100" dirty="0" smtClean="0">
+                <a:solidFill>
+                  <a:schemeClr val="accent2"/>
+                </a:solidFill>
+              </a:rPr>
+              <a:t>building block, can also</a:t>
+            </a:r>
+            <a:br>
+              <a:rPr lang="en-US" sz="1100" dirty="0" smtClean="0">
+                <a:solidFill>
+                  <a:schemeClr val="accent2"/>
+                </a:solidFill>
+              </a:rPr>
+            </a:br>
+            <a:r>
+              <a:rPr lang="en-US" sz="1100" dirty="0" smtClean="0">
+                <a:solidFill>
+                  <a:schemeClr val="accent2"/>
+                </a:solidFill>
+              </a:rPr>
+              <a:t>be done in code</a:t>
+            </a:r>
+            <a:endParaRPr lang="nl-NL" sz="1100" dirty="0">
+              <a:solidFill>
+                <a:schemeClr val="accent2"/>
+              </a:solidFill>
+            </a:endParaRPr>
+          </a:p>
+        </p:txBody>
+      </p:sp>
+      <p:sp>
+        <p:nvSpPr>
+          <p:cNvPr id="15" name="Rectangle 14"/>
+          <p:cNvSpPr/>
+          <p:nvPr/>
+        </p:nvSpPr>
+        <p:spPr>
+          <a:xfrm>
+            <a:off x="4294276" y="621099"/>
+            <a:ext cx="277724" cy="294467"/>
+          </a:xfrm>
+          <a:prstGeom prst="rect">
+            <a:avLst/>
+          </a:prstGeom>
+          <a:noFill/>
+          <a:ln>
+            <a:solidFill>
+              <a:schemeClr val="accent2"/>
+            </a:solidFill>
+          </a:ln>
+        </p:spPr>
+        <p:style>
+          <a:lnRef idx="2">
+            <a:schemeClr val="accent1">
+              <a:shade val="50000"/>
+            </a:schemeClr>
+          </a:lnRef>
+          <a:fillRef idx="1">
+            <a:schemeClr val="accent1"/>
+          </a:fillRef>
+          <a:effectRef idx="0">
+            <a:schemeClr val="accent1"/>
+          </a:effectRef>
+          <a:fontRef idx="minor">
+            <a:schemeClr val="lt1"/>
+          </a:fontRef>
+        </p:style>
+        <p:txBody>
+          <a:bodyPr rtlCol="0" anchor="ctr"/>
+          <a:lstStyle/>
+          <a:p>
+            <a:pPr algn="ctr"/>
+            <a:endParaRPr lang="nl-NL" dirty="0"/>
+          </a:p>
+        </p:txBody>
+      </p:sp>
+      <p:sp>
+        <p:nvSpPr>
+          <p:cNvPr id="16" name="Rectangle 15"/>
+          <p:cNvSpPr/>
+          <p:nvPr/>
+        </p:nvSpPr>
+        <p:spPr>
+          <a:xfrm>
+            <a:off x="4433138" y="361465"/>
+            <a:ext cx="2056973" cy="261610"/>
+          </a:xfrm>
+          <a:prstGeom prst="rect">
+            <a:avLst/>
+          </a:prstGeom>
+        </p:spPr>
+        <p:txBody>
+          <a:bodyPr wrap="none">
+            <a:spAutoFit/>
+          </a:bodyPr>
+          <a:lstStyle/>
+          <a:p>
+            <a:r>
+              <a:rPr lang="en-US" sz="1100" dirty="0" smtClean="0">
+                <a:solidFill>
+                  <a:schemeClr val="accent2"/>
+                </a:solidFill>
+              </a:rPr>
+              <a:t>Upload and start this behavior</a:t>
+            </a:r>
+            <a:endParaRPr lang="nl-NL" sz="1100" dirty="0">
+              <a:solidFill>
+                <a:schemeClr val="accent2"/>
+              </a:solidFill>
+            </a:endParaRPr>
           </a:p>
         </p:txBody>
       </p:sp>
     </p:spTree>
     <p:extLst>
       <p:ext uri="{BB962C8B-B14F-4D97-AF65-F5344CB8AC3E}">
-        <p14:creationId xmlns:p14="http://schemas.microsoft.com/office/powerpoint/2010/main" val="1102864787"/>
+        <p14:creationId xmlns:p14="http://schemas.microsoft.com/office/powerpoint/2010/main" val="731355701"/>
       </p:ext>
     </p:extLst>
   </p:cSld>
@@ -10925,6 +11339,479 @@
       </p:grpSpPr>
       <p:sp>
         <p:nvSpPr>
+          <p:cNvPr id="2" name="Date Placeholder 1"/>
+          <p:cNvSpPr>
+            <a:spLocks noGrp="1"/>
+          </p:cNvSpPr>
+          <p:nvPr>
+            <p:ph type="dt" sz="half" idx="10"/>
+          </p:nvPr>
+        </p:nvSpPr>
+        <p:spPr/>
+        <p:txBody>
+          <a:bodyPr/>
+          <a:lstStyle/>
+          <a:p>
+            <a:fld id="{CAF7A212-36BE-4DF8-855A-B97722A9BED8}" type="datetime1">
+              <a:rPr lang="en-GB" smtClean="0"/>
+              <a:t>26/08/2019</a:t>
+            </a:fld>
+            <a:endParaRPr lang="nl-NL"/>
+          </a:p>
+        </p:txBody>
+      </p:sp>
+      <p:sp>
+        <p:nvSpPr>
+          <p:cNvPr id="3" name="Footer Placeholder 2"/>
+          <p:cNvSpPr>
+            <a:spLocks noGrp="1"/>
+          </p:cNvSpPr>
+          <p:nvPr>
+            <p:ph type="ftr" sz="quarter" idx="11"/>
+          </p:nvPr>
+        </p:nvSpPr>
+        <p:spPr/>
+        <p:txBody>
+          <a:bodyPr/>
+          <a:lstStyle/>
+          <a:p>
+            <a:r>
+              <a:rPr lang="nl-NL" smtClean="0"/>
+              <a:t>Presentation title via &gt;Insert &gt;Header &amp; Footer</a:t>
+            </a:r>
+            <a:endParaRPr lang="nl-NL" dirty="0"/>
+          </a:p>
+        </p:txBody>
+      </p:sp>
+      <p:sp>
+        <p:nvSpPr>
+          <p:cNvPr id="4" name="Slide Number Placeholder 3"/>
+          <p:cNvSpPr>
+            <a:spLocks noGrp="1"/>
+          </p:cNvSpPr>
+          <p:nvPr>
+            <p:ph type="sldNum" sz="quarter" idx="12"/>
+          </p:nvPr>
+        </p:nvSpPr>
+        <p:spPr/>
+        <p:txBody>
+          <a:bodyPr/>
+          <a:lstStyle/>
+          <a:p>
+            <a:fld id="{5C423A0F-D889-4A17-A529-92184865CDD2}" type="slidenum">
+              <a:rPr lang="nl-NL" smtClean="0"/>
+              <a:pPr/>
+              <a:t>12</a:t>
+            </a:fld>
+            <a:endParaRPr lang="nl-NL"/>
+          </a:p>
+        </p:txBody>
+      </p:sp>
+      <p:sp>
+        <p:nvSpPr>
+          <p:cNvPr id="5" name="Title 4"/>
+          <p:cNvSpPr>
+            <a:spLocks noGrp="1"/>
+          </p:cNvSpPr>
+          <p:nvPr>
+            <p:ph type="title"/>
+          </p:nvPr>
+        </p:nvSpPr>
+        <p:spPr/>
+        <p:txBody>
+          <a:bodyPr/>
+          <a:lstStyle/>
+          <a:p>
+            <a:r>
+              <a:rPr lang="en-US" dirty="0" smtClean="0"/>
+              <a:t>Using python</a:t>
+            </a:r>
+            <a:br>
+              <a:rPr lang="en-US" dirty="0" smtClean="0"/>
+            </a:br>
+            <a:r>
+              <a:rPr lang="en-US" dirty="0" smtClean="0"/>
+              <a:t>in </a:t>
+            </a:r>
+            <a:r>
+              <a:rPr lang="en-US" dirty="0" err="1" smtClean="0"/>
+              <a:t>docker</a:t>
+            </a:r>
+            <a:r>
+              <a:rPr lang="en-US" dirty="0" smtClean="0"/>
+              <a:t> container</a:t>
+            </a:r>
+            <a:endParaRPr lang="nl-NL" dirty="0"/>
+          </a:p>
+        </p:txBody>
+      </p:sp>
+      <p:pic>
+        <p:nvPicPr>
+          <p:cNvPr id="9" name="Content Placeholder 8"/>
+          <p:cNvPicPr>
+            <a:picLocks noGrp="1" noChangeAspect="1"/>
+          </p:cNvPicPr>
+          <p:nvPr>
+            <p:ph idx="1"/>
+          </p:nvPr>
+        </p:nvPicPr>
+        <p:blipFill>
+          <a:blip r:embed="rId2"/>
+          <a:stretch>
+            <a:fillRect/>
+          </a:stretch>
+        </p:blipFill>
+        <p:spPr>
+          <a:xfrm>
+            <a:off x="360363" y="1387030"/>
+            <a:ext cx="4103687" cy="2993327"/>
+          </a:xfrm>
+          <a:prstGeom prst="rect">
+            <a:avLst/>
+          </a:prstGeom>
+        </p:spPr>
+      </p:pic>
+      <p:sp>
+        <p:nvSpPr>
+          <p:cNvPr id="8" name="Content Placeholder 7"/>
+          <p:cNvSpPr>
+            <a:spLocks noGrp="1"/>
+          </p:cNvSpPr>
+          <p:nvPr>
+            <p:ph idx="13"/>
+          </p:nvPr>
+        </p:nvSpPr>
+        <p:spPr/>
+        <p:txBody>
+          <a:bodyPr/>
+          <a:lstStyle/>
+          <a:p>
+            <a:r>
+              <a:rPr lang="nl-NL" dirty="0" err="1"/>
+              <a:t>docker</a:t>
+            </a:r>
+            <a:r>
+              <a:rPr lang="nl-NL" dirty="0"/>
+              <a:t> run -</a:t>
+            </a:r>
+            <a:r>
+              <a:rPr lang="nl-NL" dirty="0" err="1"/>
+              <a:t>it</a:t>
+            </a:r>
+            <a:r>
+              <a:rPr lang="nl-NL" dirty="0"/>
+              <a:t> --</a:t>
+            </a:r>
+            <a:r>
+              <a:rPr lang="nl-NL" dirty="0" err="1"/>
+              <a:t>rm</a:t>
+            </a:r>
+            <a:r>
+              <a:rPr lang="nl-NL" dirty="0"/>
+              <a:t> -v c:\ff</a:t>
+            </a:r>
+            <a:r>
+              <a:rPr lang="nl-NL" dirty="0" smtClean="0"/>
+              <a:t>:/nao_dev rvsanten/</a:t>
+            </a:r>
+            <a:r>
+              <a:rPr lang="nl-NL" dirty="0" err="1" smtClean="0"/>
+              <a:t>naopy</a:t>
+            </a:r>
+            <a:endParaRPr lang="nl-NL" dirty="0" smtClean="0"/>
+          </a:p>
+          <a:p>
+            <a:r>
+              <a:rPr lang="en-US" dirty="0" smtClean="0"/>
+              <a:t>Use /</a:t>
+            </a:r>
+            <a:r>
+              <a:rPr lang="en-US" dirty="0" err="1" smtClean="0"/>
+              <a:t>nao_dev</a:t>
+            </a:r>
+            <a:r>
+              <a:rPr lang="en-US" dirty="0" smtClean="0"/>
+              <a:t> as working directory in the container</a:t>
+            </a:r>
+          </a:p>
+          <a:p>
+            <a:r>
+              <a:rPr lang="en-US" dirty="0" smtClean="0"/>
+              <a:t>See the test script </a:t>
+            </a:r>
+            <a:r>
+              <a:rPr lang="en-US" i="1" dirty="0" smtClean="0"/>
+              <a:t>nao_move.py</a:t>
+            </a:r>
+            <a:r>
+              <a:rPr lang="nl-NL" dirty="0" smtClean="0"/>
+              <a:t>. </a:t>
+            </a:r>
+            <a:r>
+              <a:rPr lang="nl-NL" dirty="0" err="1" smtClean="0"/>
+              <a:t>This</a:t>
+            </a:r>
+            <a:r>
+              <a:rPr lang="nl-NL" dirty="0" smtClean="0"/>
+              <a:t> </a:t>
+            </a:r>
+            <a:r>
+              <a:rPr lang="nl-NL" dirty="0" err="1" smtClean="0"/>
+              <a:t>can</a:t>
+            </a:r>
+            <a:r>
+              <a:rPr lang="nl-NL" dirty="0" smtClean="0"/>
+              <a:t> </a:t>
+            </a:r>
+            <a:r>
+              <a:rPr lang="nl-NL" dirty="0" err="1" smtClean="0"/>
+              <a:t>be</a:t>
+            </a:r>
+            <a:r>
+              <a:rPr lang="nl-NL" dirty="0" smtClean="0"/>
+              <a:t> </a:t>
+            </a:r>
+            <a:r>
+              <a:rPr lang="nl-NL" dirty="0" err="1" smtClean="0"/>
+              <a:t>used</a:t>
+            </a:r>
+            <a:r>
+              <a:rPr lang="nl-NL" dirty="0" smtClean="0"/>
+              <a:t> </a:t>
+            </a:r>
+            <a:r>
+              <a:rPr lang="nl-NL" dirty="0" err="1" smtClean="0"/>
+              <a:t>to</a:t>
+            </a:r>
+            <a:r>
+              <a:rPr lang="nl-NL" dirty="0" smtClean="0"/>
+              <a:t> test </a:t>
+            </a:r>
+            <a:r>
+              <a:rPr lang="nl-NL" dirty="0" err="1" smtClean="0"/>
+              <a:t>the</a:t>
+            </a:r>
+            <a:r>
+              <a:rPr lang="nl-NL" dirty="0" smtClean="0"/>
+              <a:t> </a:t>
+            </a:r>
+            <a:r>
+              <a:rPr lang="nl-NL" dirty="0" err="1" smtClean="0"/>
+              <a:t>connection</a:t>
+            </a:r>
+            <a:r>
+              <a:rPr lang="nl-NL" dirty="0" smtClean="0"/>
+              <a:t> </a:t>
+            </a:r>
+            <a:r>
+              <a:rPr lang="nl-NL" dirty="0" err="1" smtClean="0"/>
+              <a:t>to</a:t>
+            </a:r>
+            <a:r>
+              <a:rPr lang="nl-NL" dirty="0" smtClean="0"/>
+              <a:t> </a:t>
+            </a:r>
+            <a:r>
+              <a:rPr lang="nl-NL" dirty="0" err="1" smtClean="0"/>
+              <a:t>Nao</a:t>
+            </a:r>
+            <a:r>
+              <a:rPr lang="nl-NL" dirty="0" smtClean="0"/>
+              <a:t> or virtual </a:t>
+            </a:r>
+            <a:r>
+              <a:rPr lang="nl-NL" dirty="0" err="1" smtClean="0"/>
+              <a:t>Nao</a:t>
+            </a:r>
+            <a:r>
+              <a:rPr lang="nl-NL" dirty="0" smtClean="0"/>
+              <a:t>. </a:t>
+            </a:r>
+            <a:r>
+              <a:rPr lang="nl-NL" dirty="0" err="1" smtClean="0"/>
+              <a:t>Edit</a:t>
+            </a:r>
+            <a:r>
+              <a:rPr lang="nl-NL" dirty="0" smtClean="0"/>
+              <a:t> </a:t>
+            </a:r>
+            <a:r>
+              <a:rPr lang="nl-NL" dirty="0" err="1" smtClean="0"/>
+              <a:t>the</a:t>
+            </a:r>
+            <a:r>
+              <a:rPr lang="nl-NL" dirty="0" smtClean="0"/>
+              <a:t> line: </a:t>
+            </a:r>
+            <a:br>
+              <a:rPr lang="nl-NL" dirty="0" smtClean="0"/>
+            </a:br>
+            <a:r>
+              <a:rPr lang="en-US" sz="1050" dirty="0" err="1"/>
+              <a:t>motionProxy</a:t>
+            </a:r>
+            <a:r>
+              <a:rPr lang="en-US" sz="1050" dirty="0"/>
+              <a:t> = </a:t>
+            </a:r>
+            <a:r>
+              <a:rPr lang="en-US" sz="1050" dirty="0" err="1"/>
+              <a:t>ALProxy</a:t>
+            </a:r>
+            <a:r>
+              <a:rPr lang="en-US" sz="1050" dirty="0"/>
+              <a:t>("</a:t>
+            </a:r>
+            <a:r>
+              <a:rPr lang="en-US" sz="1050" dirty="0" err="1"/>
+              <a:t>ALMotion</a:t>
+            </a:r>
+            <a:r>
+              <a:rPr lang="en-US" sz="1050" dirty="0"/>
+              <a:t>", "192.168.1.13", 9559</a:t>
+            </a:r>
+            <a:r>
+              <a:rPr lang="en-US" sz="1050" dirty="0" smtClean="0"/>
+              <a:t>). </a:t>
+            </a:r>
+            <a:r>
+              <a:rPr lang="nl-NL" dirty="0"/>
+              <a:t>Change </a:t>
+            </a:r>
+            <a:r>
+              <a:rPr lang="nl-NL" dirty="0" err="1"/>
+              <a:t>ip</a:t>
+            </a:r>
+            <a:r>
+              <a:rPr lang="nl-NL" dirty="0"/>
+              <a:t> </a:t>
+            </a:r>
+            <a:r>
+              <a:rPr lang="nl-NL" dirty="0" err="1"/>
+              <a:t>and</a:t>
+            </a:r>
+            <a:r>
+              <a:rPr lang="nl-NL" dirty="0"/>
+              <a:t> port </a:t>
+            </a:r>
+            <a:r>
+              <a:rPr lang="nl-NL" dirty="0" err="1" smtClean="0"/>
+              <a:t>accordingly</a:t>
+            </a:r>
+            <a:r>
+              <a:rPr lang="nl-NL" dirty="0" smtClean="0"/>
+              <a:t>.</a:t>
+            </a:r>
+            <a:endParaRPr lang="en-US" dirty="0"/>
+          </a:p>
+        </p:txBody>
+      </p:sp>
+    </p:spTree>
+    <p:extLst>
+      <p:ext uri="{BB962C8B-B14F-4D97-AF65-F5344CB8AC3E}">
+        <p14:creationId xmlns:p14="http://schemas.microsoft.com/office/powerpoint/2010/main" val="1704717989"/>
+      </p:ext>
+    </p:extLst>
+  </p:cSld>
+  <p:clrMapOvr>
+    <a:masterClrMapping/>
+  </p:clrMapOvr>
+</p:sld>
+</file>
+
+<file path=ppt/slides/slide13.xml><?xml version="1.0" encoding="utf-8"?>
+<p:sld xmlns:a="http://schemas.openxmlformats.org/drawingml/2006/main" xmlns:r="http://schemas.openxmlformats.org/officeDocument/2006/relationships" xmlns:p="http://schemas.openxmlformats.org/presentationml/2006/main">
+  <p:cSld>
+    <p:spTree>
+      <p:nvGrpSpPr>
+        <p:cNvPr id="1" name=""/>
+        <p:cNvGrpSpPr/>
+        <p:nvPr/>
+      </p:nvGrpSpPr>
+      <p:grpSpPr>
+        <a:xfrm>
+          <a:off x="0" y="0"/>
+          <a:ext cx="0" cy="0"/>
+          <a:chOff x="0" y="0"/>
+          <a:chExt cx="0" cy="0"/>
+        </a:xfrm>
+      </p:grpSpPr>
+      <p:sp>
+        <p:nvSpPr>
+          <p:cNvPr id="5" name="Title 4"/>
+          <p:cNvSpPr>
+            <a:spLocks noGrp="1"/>
+          </p:cNvSpPr>
+          <p:nvPr>
+            <p:ph type="title"/>
+          </p:nvPr>
+        </p:nvSpPr>
+        <p:spPr/>
+        <p:txBody>
+          <a:bodyPr/>
+          <a:lstStyle/>
+          <a:p>
+            <a:r>
+              <a:rPr lang="en-US" dirty="0"/>
+              <a:t>Links</a:t>
+            </a:r>
+          </a:p>
+        </p:txBody>
+      </p:sp>
+      <p:sp>
+        <p:nvSpPr>
+          <p:cNvPr id="7" name="Text Placeholder 6"/>
+          <p:cNvSpPr>
+            <a:spLocks noGrp="1"/>
+          </p:cNvSpPr>
+          <p:nvPr>
+            <p:ph type="body" sz="quarter" idx="13"/>
+          </p:nvPr>
+        </p:nvSpPr>
+        <p:spPr/>
+        <p:txBody>
+          <a:bodyPr/>
+          <a:lstStyle/>
+          <a:p>
+            <a:r>
+              <a:rPr lang="en-US" dirty="0"/>
+              <a:t>04</a:t>
+            </a:r>
+          </a:p>
+        </p:txBody>
+      </p:sp>
+    </p:spTree>
+    <p:extLst>
+      <p:ext uri="{BB962C8B-B14F-4D97-AF65-F5344CB8AC3E}">
+        <p14:creationId xmlns:p14="http://schemas.microsoft.com/office/powerpoint/2010/main" val="1102864787"/>
+      </p:ext>
+    </p:extLst>
+  </p:cSld>
+  <p:clrMapOvr>
+    <a:masterClrMapping/>
+  </p:clrMapOvr>
+</p:sld>
+</file>
+
+<file path=ppt/slides/slide14.xml><?xml version="1.0" encoding="utf-8"?>
+<p:sld xmlns:a="http://schemas.openxmlformats.org/drawingml/2006/main" xmlns:r="http://schemas.openxmlformats.org/officeDocument/2006/relationships" xmlns:p="http://schemas.openxmlformats.org/presentationml/2006/main">
+  <p:cSld>
+    <p:spTree>
+      <p:nvGrpSpPr>
+        <p:cNvPr id="1" name=""/>
+        <p:cNvGrpSpPr/>
+        <p:nvPr/>
+      </p:nvGrpSpPr>
+      <p:grpSpPr>
+        <a:xfrm>
+          <a:off x="0" y="0"/>
+          <a:ext cx="0" cy="0"/>
+          <a:chOff x="0" y="0"/>
+          <a:chExt cx="0" cy="0"/>
+        </a:xfrm>
+      </p:grpSpPr>
+      <p:sp>
+        <p:nvSpPr>
           <p:cNvPr id="8" name="Title 7"/>
           <p:cNvSpPr>
             <a:spLocks noGrp="1"/>
@@ -10961,7 +11848,7 @@
             <p:ph idx="1"/>
             <p:extLst>
               <p:ext uri="{D42A27DB-BD31-4B8C-83A1-F6EECF244321}">
-                <p14:modId xmlns:p14="http://schemas.microsoft.com/office/powerpoint/2010/main" val="464651716"/>
+                <p14:modId xmlns:p14="http://schemas.microsoft.com/office/powerpoint/2010/main" val="954854948"/>
               </p:ext>
             </p:extLst>
           </p:nvPr>
@@ -11101,6 +11988,12 @@
                     <a:bodyPr/>
                     <a:lstStyle/>
                     <a:p>
+                      <a:r>
+                        <a:rPr lang="nl-NL" sz="1200" dirty="0" smtClean="0">
+                          <a:hlinkClick r:id="rId2"/>
+                        </a:rPr>
+                        <a:t>https://github.com/rvsanten/thingy</a:t>
+                      </a:r>
                       <a:endParaRPr lang="nl-NL" sz="1200" dirty="0"/>
                     </a:p>
                   </a:txBody>
@@ -11111,7 +12004,23 @@
                     <a:bodyPr/>
                     <a:lstStyle/>
                     <a:p>
-                      <a:endParaRPr lang="nl-NL" sz="1200"/>
+                      <a:r>
+                        <a:rPr lang="en-US" sz="1200" dirty="0" smtClean="0"/>
+                        <a:t>Source code for </a:t>
+                      </a:r>
+                      <a:r>
+                        <a:rPr lang="en-US" sz="1200" dirty="0" err="1" smtClean="0"/>
+                        <a:t>docker</a:t>
+                      </a:r>
+                      <a:r>
+                        <a:rPr lang="en-US" sz="1200" baseline="0" dirty="0" smtClean="0"/>
+                        <a:t> container and location of this </a:t>
+                      </a:r>
+                      <a:r>
+                        <a:rPr lang="en-US" sz="1200" baseline="0" dirty="0" err="1" smtClean="0"/>
+                        <a:t>ppt</a:t>
+                      </a:r>
+                      <a:endParaRPr lang="nl-NL" sz="1200" dirty="0"/>
                     </a:p>
                   </a:txBody>
                   <a:tcPr/>
@@ -11128,6 +12037,12 @@
                     <a:bodyPr/>
                     <a:lstStyle/>
                     <a:p>
+                      <a:r>
+                        <a:rPr lang="nl-NL" sz="1200" dirty="0" smtClean="0">
+                          <a:hlinkClick r:id="rId3"/>
+                        </a:rPr>
+                        <a:t>https://docs.docker.com/docker-for-windows/install/</a:t>
+                      </a:r>
                       <a:endParaRPr lang="nl-NL" sz="1200" dirty="0"/>
                     </a:p>
                   </a:txBody>
@@ -11138,6 +12053,10 @@
                     <a:bodyPr/>
                     <a:lstStyle/>
                     <a:p>
+                      <a:r>
+                        <a:rPr lang="en-US" sz="1200" dirty="0" smtClean="0"/>
+                        <a:t>Docker installer</a:t>
+                      </a:r>
                       <a:endParaRPr lang="nl-NL" sz="1200" dirty="0"/>
                     </a:p>
                   </a:txBody>
@@ -11166,7 +12085,7 @@
 </p:sld>
 </file>
 
-<file path=ppt/slides/slide13.xml><?xml version="1.0" encoding="utf-8"?>
+<file path=ppt/slides/slide15.xml><?xml version="1.0" encoding="utf-8"?>
 <p:sld xmlns:a="http://schemas.openxmlformats.org/drawingml/2006/main" xmlns:r="http://schemas.openxmlformats.org/officeDocument/2006/relationships" xmlns:p="http://schemas.openxmlformats.org/presentationml/2006/main">
   <p:cSld>
     <p:spTree>
@@ -11516,7 +12435,7 @@
           <a:graphicData uri="http://schemas.openxmlformats.org/presentationml/2006/ole">
             <mc:AlternateContent xmlns:mc="http://schemas.openxmlformats.org/markup-compatibility/2006">
               <mc:Choice xmlns:v="urn:schemas-microsoft-com:vml" Requires="v">
-                <p:oleObj spid="_x0000_s1026" name="File" showAsIcon="1" r:id="rId21" imgW="914400" imgH="771525" progId="Outlook.FileAttach">
+                <p:oleObj spid="_x0000_s1035" name="File" showAsIcon="1" r:id="rId21" imgW="914400" imgH="771525" progId="Outlook.FileAttach">
                   <p:embed/>
                 </p:oleObj>
               </mc:Choice>
@@ -11583,7 +12502,7 @@
 </p:sld>
 </file>
 
-<file path=ppt/slides/slide14.xml><?xml version="1.0" encoding="utf-8"?>
+<file path=ppt/slides/slide16.xml><?xml version="1.0" encoding="utf-8"?>
 <p:sld xmlns:a="http://schemas.openxmlformats.org/drawingml/2006/main" xmlns:r="http://schemas.openxmlformats.org/officeDocument/2006/relationships" xmlns:p="http://schemas.openxmlformats.org/presentationml/2006/main">
   <p:cSld>
     <p:spTree>
@@ -11763,12 +12682,12 @@
               <a:t>WIFI </a:t>
             </a:r>
             <a:r>
-              <a:rPr lang="en-US" dirty="0" err="1"/>
-              <a:t>Accesspoint</a:t>
+              <a:rPr lang="en-US" dirty="0" smtClean="0"/>
+              <a:t>Access point </a:t>
             </a:r>
             <a:r>
               <a:rPr lang="en-US" dirty="0"/>
-              <a:t> + Adapter (router admin password: altran2018)</a:t>
+              <a:t>+ Adapter (router admin password: altran2018)</a:t>
             </a:r>
           </a:p>
           <a:p>
@@ -12925,8 +13844,27 @@
             <a:pPr lvl="1"/>
             <a:r>
               <a:rPr lang="en-US" dirty="0"/>
-              <a:t>NOTE: Normally the software will also start a virtual robot to test with (except audio)</a:t>
-            </a:r>
+              <a:t>NOTE: Normally the software will also start a virtual robot to test with (except audio</a:t>
+            </a:r>
+            <a:r>
+              <a:rPr lang="en-US" dirty="0" smtClean="0"/>
+              <a:t>)</a:t>
+            </a:r>
+          </a:p>
+          <a:p>
+            <a:r>
+              <a:rPr lang="en-US" dirty="0" smtClean="0"/>
+              <a:t>Make sure you have </a:t>
+            </a:r>
+            <a:r>
+              <a:rPr lang="en-US" dirty="0" err="1" smtClean="0"/>
+              <a:t>docker</a:t>
+            </a:r>
+            <a:r>
+              <a:rPr lang="en-US" dirty="0" smtClean="0"/>
+              <a:t> installed</a:t>
+            </a:r>
+            <a:endParaRPr lang="en-US" dirty="0"/>
           </a:p>
           <a:p>
             <a:endParaRPr lang="nl-NL" dirty="0"/>
@@ -12986,7 +13924,7 @@
           <a:p>
             <a:fld id="{CAF7A212-36BE-4DF8-855A-B97722A9BED8}" type="datetime1">
               <a:rPr lang="en-GB" smtClean="0"/>
-              <a:t>21/08/2019</a:t>
+              <a:t>26/08/2019</a:t>
             </a:fld>
             <a:endParaRPr lang="nl-NL"/>
           </a:p>
@@ -14352,6 +15290,15 @@
 </file>
 
 <file path=customXml/item1.xml><?xml version="1.0" encoding="utf-8"?>
+<?mso-contentType ?>
+<FormTemplates xmlns="http://schemas.microsoft.com/sharepoint/v3/contenttype/forms">
+  <Display>DocumentLibraryForm</Display>
+  <Edit>DocumentLibraryForm</Edit>
+  <New>DocumentLibraryForm</New>
+</FormTemplates>
+</file>
+
+<file path=customXml/item2.xml><?xml version="1.0" encoding="utf-8"?>
 <ct:contentTypeSchema xmlns:ct="http://schemas.microsoft.com/office/2006/metadata/contentType" xmlns:ma="http://schemas.microsoft.com/office/2006/metadata/properties/metaAttributes" ct:_="" ma:_="" ma:contentTypeName="Document" ma:contentTypeID="0x0101001F419E1A6EA81A4789CC2A27D54FE063" ma:contentTypeVersion="2" ma:contentTypeDescription="Create a new document." ma:contentTypeScope="" ma:versionID="6e5cb36ff88c0f99687fc20d43474a84">
   <xsd:schema xmlns:xsd="http://www.w3.org/2001/XMLSchema" xmlns:xs="http://www.w3.org/2001/XMLSchema" xmlns:p="http://schemas.microsoft.com/office/2006/metadata/properties" targetNamespace="http://schemas.microsoft.com/office/2006/metadata/properties" ma:root="true" ma:fieldsID="0d665e38e66d01d06a7f476fcfe73af8">
     <xsd:element name="properties">
@@ -14465,15 +15412,6 @@
 </ct:contentTypeSchema>
 </file>
 
-<file path=customXml/item2.xml><?xml version="1.0" encoding="utf-8"?>
-<?mso-contentType ?>
-<FormTemplates xmlns="http://schemas.microsoft.com/sharepoint/v3/contenttype/forms">
-  <Display>DocumentLibraryForm</Display>
-  <Edit>DocumentLibraryForm</Edit>
-  <New>DocumentLibraryForm</New>
-</FormTemplates>
-</file>
-
 <file path=customXml/item3.xml><?xml version="1.0" encoding="utf-8"?>
 <p:properties xmlns:p="http://schemas.microsoft.com/office/2006/metadata/properties" xmlns:xsi="http://www.w3.org/2001/XMLSchema-instance" xmlns:pc="http://schemas.microsoft.com/office/infopath/2007/PartnerControls">
   <documentManagement/>
@@ -14481,6 +15419,14 @@
 </file>
 
 <file path=customXml/itemProps1.xml><?xml version="1.0" encoding="utf-8"?>
+<ds:datastoreItem xmlns:ds="http://schemas.openxmlformats.org/officeDocument/2006/customXml" ds:itemID="{74695D99-3EAE-4F55-A2B4-F38051B8FE0A}">
+  <ds:schemaRefs>
+    <ds:schemaRef ds:uri="http://schemas.microsoft.com/sharepoint/v3/contenttype/forms"/>
+  </ds:schemaRefs>
+</ds:datastoreItem>
+</file>
+
+<file path=customXml/itemProps2.xml><?xml version="1.0" encoding="utf-8"?>
 <ds:datastoreItem xmlns:ds="http://schemas.openxmlformats.org/officeDocument/2006/customXml" ds:itemID="{71BEF1E5-09DF-46B0-9968-4DC05085673B}">
   <ds:schemaRefs>
     <ds:schemaRef ds:uri="http://schemas.microsoft.com/office/2006/metadata/contentType"/>
@@ -14492,14 +15438,6 @@
     <ds:schemaRef ds:uri="http://purl.org/dc/terms/"/>
     <ds:schemaRef ds:uri="http://schemas.microsoft.com/internal/obd"/>
     <ds:schemaRef ds:uri="http://schemas.microsoft.com/office/infopath/2007/PartnerControls"/>
-  </ds:schemaRefs>
-</ds:datastoreItem>
-</file>
-
-<file path=customXml/itemProps2.xml><?xml version="1.0" encoding="utf-8"?>
-<ds:datastoreItem xmlns:ds="http://schemas.openxmlformats.org/officeDocument/2006/customXml" ds:itemID="{74695D99-3EAE-4F55-A2B4-F38051B8FE0A}">
-  <ds:schemaRefs>
-    <ds:schemaRef ds:uri="http://schemas.microsoft.com/sharepoint/v3/contenttype/forms"/>
   </ds:schemaRefs>
 </ds:datastoreItem>
 </file>
